--- a/CapstoneProject.pptx
+++ b/CapstoneProject.pptx
@@ -8202,8 +8202,8 @@
         </p:nvSpPr>
         <p:spPr>
           <a:xfrm>
-            <a:off x="7761520" y="4755997"/>
-            <a:ext cx="2219093" cy="1477328"/>
+            <a:off x="7761520" y="5018049"/>
+            <a:ext cx="2219093" cy="1200329"/>
           </a:xfrm>
           <a:prstGeom prst="rect">
             <a:avLst/>
@@ -8227,19 +8227,13 @@
           <a:p>
             <a:r>
               <a:rPr lang="en-US" dirty="0"/>
-              <a:t>Karen Huang</a:t>
+              <a:t>Bi-Shan Huang</a:t>
             </a:r>
           </a:p>
           <a:p>
             <a:r>
               <a:rPr lang="en-US" dirty="0"/>
-              <a:t>Bank Associate/</a:t>
-            </a:r>
-          </a:p>
-          <a:p>
-            <a:r>
-              <a:rPr lang="en-US" dirty="0"/>
-              <a:t>Data Scientist   </a:t>
+              <a:t>(Karen)</a:t>
             </a:r>
           </a:p>
         </p:txBody>
@@ -8682,10 +8676,30 @@
             </a:r>
           </a:p>
           <a:p>
+            <a:pPr marL="0" indent="0">
+              <a:buNone/>
+            </a:pPr>
+            <a:endParaRPr lang="en-US" dirty="0"/>
+          </a:p>
+          <a:p>
             <a:r>
               <a:rPr lang="en-US" dirty="0"/>
               <a:t>Join IOD Data Science course since Feb. 2022 (6 months)</a:t>
             </a:r>
+          </a:p>
+          <a:p>
+            <a:endParaRPr lang="en-US" dirty="0"/>
+          </a:p>
+          <a:p>
+            <a:r>
+              <a:rPr lang="en-US" dirty="0"/>
+              <a:t>To achieve business goals by making decision </a:t>
+            </a:r>
+            <a:r>
+              <a:rPr lang="en-US"/>
+              <a:t>with information</a:t>
+            </a:r>
+            <a:endParaRPr lang="en-US" dirty="0"/>
           </a:p>
           <a:p>
             <a:pPr lvl="1">
@@ -8694,43 +8708,7 @@
             </a:pPr>
             <a:r>
               <a:rPr lang="en-US" dirty="0"/>
-              <a:t>No programming background </a:t>
-            </a:r>
-          </a:p>
-          <a:p>
-            <a:pPr lvl="1">
-              <a:buFont typeface="Arial" panose="020B0604020202020204" pitchFamily="34" charset="0"/>
-              <a:buChar char="•"/>
-            </a:pPr>
-            <a:r>
-              <a:rPr lang="en-US" dirty="0"/>
-              <a:t>Transformable skills: computer, problem solving, communication,  stakeholder management skill and strategic thinking</a:t>
-            </a:r>
-          </a:p>
-          <a:p>
-            <a:r>
-              <a:rPr lang="en-US" dirty="0"/>
-              <a:t>To achieve business goals by making decision with information</a:t>
-            </a:r>
-          </a:p>
-          <a:p>
-            <a:pPr lvl="1">
-              <a:buFont typeface="Arial" panose="020B0604020202020204" pitchFamily="34" charset="0"/>
-              <a:buChar char="•"/>
-            </a:pPr>
-            <a:r>
-              <a:rPr lang="en-US" dirty="0"/>
-              <a:t>data vs information </a:t>
-            </a:r>
-          </a:p>
-          <a:p>
-            <a:pPr lvl="1">
-              <a:buFont typeface="Arial" panose="020B0604020202020204" pitchFamily="34" charset="0"/>
-              <a:buChar char="•"/>
-            </a:pPr>
-            <a:r>
-              <a:rPr lang="en-US" dirty="0"/>
-              <a:t>increasing accuracy on data analysis to make better decision</a:t>
+              <a:t>increasing accuracy on data to make better decision</a:t>
             </a:r>
           </a:p>
         </p:txBody>
